--- a/materials/6_FYP_storybook_structural_control_girlsYellow.pptx
+++ b/materials/6_FYP_storybook_structural_control_girlsYellow.pptx
@@ -224,7 +224,7 @@
           <a:p>
             <a:fld id="{C20298E2-FE9A-409F-B00F-0D4EA8F2524F}" type="datetimeFigureOut">
               <a:rPr lang="en-US" smtClean="0"/>
-              <a:t>3/16/2019</a:t>
+              <a:t>4/20/2019</a:t>
             </a:fld>
             <a:endParaRPr lang="en-US" dirty="0"/>
           </a:p>
@@ -4181,7 +4181,7 @@
           <a:p>
             <a:fld id="{88180E31-E34E-4BE1-9902-AF8A764DB06C}" type="datetimeFigureOut">
               <a:rPr lang="en-US" smtClean="0"/>
-              <a:t>3/16/2019</a:t>
+              <a:t>4/20/2019</a:t>
             </a:fld>
             <a:endParaRPr lang="en-US" dirty="0"/>
           </a:p>
@@ -4349,7 +4349,7 @@
           <a:p>
             <a:fld id="{88180E31-E34E-4BE1-9902-AF8A764DB06C}" type="datetimeFigureOut">
               <a:rPr lang="en-US" smtClean="0"/>
-              <a:t>3/16/2019</a:t>
+              <a:t>4/20/2019</a:t>
             </a:fld>
             <a:endParaRPr lang="en-US" dirty="0"/>
           </a:p>
@@ -4527,7 +4527,7 @@
           <a:p>
             <a:fld id="{88180E31-E34E-4BE1-9902-AF8A764DB06C}" type="datetimeFigureOut">
               <a:rPr lang="en-US" smtClean="0"/>
-              <a:t>3/16/2019</a:t>
+              <a:t>4/20/2019</a:t>
             </a:fld>
             <a:endParaRPr lang="en-US" dirty="0"/>
           </a:p>
@@ -4695,7 +4695,7 @@
           <a:p>
             <a:fld id="{88180E31-E34E-4BE1-9902-AF8A764DB06C}" type="datetimeFigureOut">
               <a:rPr lang="en-US" smtClean="0"/>
-              <a:t>3/16/2019</a:t>
+              <a:t>4/20/2019</a:t>
             </a:fld>
             <a:endParaRPr lang="en-US" dirty="0"/>
           </a:p>
@@ -4940,7 +4940,7 @@
           <a:p>
             <a:fld id="{88180E31-E34E-4BE1-9902-AF8A764DB06C}" type="datetimeFigureOut">
               <a:rPr lang="en-US" smtClean="0"/>
-              <a:t>3/16/2019</a:t>
+              <a:t>4/20/2019</a:t>
             </a:fld>
             <a:endParaRPr lang="en-US" dirty="0"/>
           </a:p>
@@ -5169,7 +5169,7 @@
           <a:p>
             <a:fld id="{88180E31-E34E-4BE1-9902-AF8A764DB06C}" type="datetimeFigureOut">
               <a:rPr lang="en-US" smtClean="0"/>
-              <a:t>3/16/2019</a:t>
+              <a:t>4/20/2019</a:t>
             </a:fld>
             <a:endParaRPr lang="en-US" dirty="0"/>
           </a:p>
@@ -5533,7 +5533,7 @@
           <a:p>
             <a:fld id="{88180E31-E34E-4BE1-9902-AF8A764DB06C}" type="datetimeFigureOut">
               <a:rPr lang="en-US" smtClean="0"/>
-              <a:t>3/16/2019</a:t>
+              <a:t>4/20/2019</a:t>
             </a:fld>
             <a:endParaRPr lang="en-US" dirty="0"/>
           </a:p>
@@ -5650,7 +5650,7 @@
           <a:p>
             <a:fld id="{88180E31-E34E-4BE1-9902-AF8A764DB06C}" type="datetimeFigureOut">
               <a:rPr lang="en-US" smtClean="0"/>
-              <a:t>3/16/2019</a:t>
+              <a:t>4/20/2019</a:t>
             </a:fld>
             <a:endParaRPr lang="en-US" dirty="0"/>
           </a:p>
@@ -5745,7 +5745,7 @@
           <a:p>
             <a:fld id="{88180E31-E34E-4BE1-9902-AF8A764DB06C}" type="datetimeFigureOut">
               <a:rPr lang="en-US" smtClean="0"/>
-              <a:t>3/16/2019</a:t>
+              <a:t>4/20/2019</a:t>
             </a:fld>
             <a:endParaRPr lang="en-US" dirty="0"/>
           </a:p>
@@ -6020,7 +6020,7 @@
           <a:p>
             <a:fld id="{88180E31-E34E-4BE1-9902-AF8A764DB06C}" type="datetimeFigureOut">
               <a:rPr lang="en-US" smtClean="0"/>
-              <a:t>3/16/2019</a:t>
+              <a:t>4/20/2019</a:t>
             </a:fld>
             <a:endParaRPr lang="en-US" dirty="0"/>
           </a:p>
@@ -6272,7 +6272,7 @@
           <a:p>
             <a:fld id="{88180E31-E34E-4BE1-9902-AF8A764DB06C}" type="datetimeFigureOut">
               <a:rPr lang="en-US" smtClean="0"/>
-              <a:t>3/16/2019</a:t>
+              <a:t>4/20/2019</a:t>
             </a:fld>
             <a:endParaRPr lang="en-US" dirty="0"/>
           </a:p>
@@ -6483,7 +6483,7 @@
           <a:p>
             <a:fld id="{88180E31-E34E-4BE1-9902-AF8A764DB06C}" type="datetimeFigureOut">
               <a:rPr lang="en-US" smtClean="0"/>
-              <a:t>3/16/2019</a:t>
+              <a:t>4/20/2019</a:t>
             </a:fld>
             <a:endParaRPr lang="en-US" dirty="0"/>
           </a:p>
@@ -6951,8 +6951,8 @@
         </p:nvSpPr>
         <p:spPr>
           <a:xfrm>
-            <a:off x="4826260" y="4084092"/>
-            <a:ext cx="2539477" cy="2123658"/>
+            <a:off x="3555079" y="4084092"/>
+            <a:ext cx="5081840" cy="2123658"/>
           </a:xfrm>
           <a:prstGeom prst="rect">
             <a:avLst/>
@@ -6971,14 +6971,14 @@
                 <a:latin typeface="Helvetica" panose="020B0604020202020204" pitchFamily="34" charset="0"/>
                 <a:cs typeface="Helvetica" panose="020B0604020202020204" pitchFamily="34" charset="0"/>
               </a:rPr>
-              <a:t>5-6 </a:t>
+              <a:t>5-6 year </a:t>
             </a:r>
             <a:r>
               <a:rPr lang="en-US" sz="6600" dirty="0" err="1">
                 <a:latin typeface="Helvetica" panose="020B0604020202020204" pitchFamily="34" charset="0"/>
                 <a:cs typeface="Helvetica" panose="020B0604020202020204" pitchFamily="34" charset="0"/>
               </a:rPr>
-              <a:t>yo</a:t>
+              <a:t>olds</a:t>
             </a:r>
             <a:endParaRPr lang="en-US" sz="6600" dirty="0">
               <a:latin typeface="Helvetica" panose="020B0604020202020204" pitchFamily="34" charset="0"/>
@@ -6988,11 +6988,18 @@
           <a:p>
             <a:pPr algn="ctr"/>
             <a:r>
+              <a:rPr lang="en-US" sz="6600">
+                <a:latin typeface="Helvetica" panose="020B0604020202020204" pitchFamily="34" charset="0"/>
+                <a:cs typeface="Helvetica" panose="020B0604020202020204" pitchFamily="34" charset="0"/>
+              </a:rPr>
+              <a:t>6 </a:t>
+            </a:r>
+            <a:r>
               <a:rPr lang="en-US" sz="6600" dirty="0">
                 <a:latin typeface="Helvetica" panose="020B0604020202020204" pitchFamily="34" charset="0"/>
                 <a:cs typeface="Helvetica" panose="020B0604020202020204" pitchFamily="34" charset="0"/>
               </a:rPr>
-              <a:t>6 min</a:t>
+              <a:t>min</a:t>
             </a:r>
           </a:p>
         </p:txBody>
